--- a/template.pptx
+++ b/template.pptx
@@ -5,10 +5,11 @@
     <p:sldMasterId id="2147483648" r:id="rId1"/>
   </p:sldMasterIdLst>
   <p:notesMasterIdLst>
-    <p:notesMasterId r:id="rId3"/>
+    <p:notesMasterId r:id="rId4"/>
   </p:notesMasterIdLst>
   <p:sldIdLst>
     <p:sldId id="256" r:id="rId2"/>
+    <p:sldId id="277" r:id="rId3"/>
   </p:sldIdLst>
   <p:sldSz cx="12192000" cy="6858000"/>
   <p:notesSz cx="6858000" cy="9144000"/>
@@ -197,7 +198,7 @@
           <a:p>
             <a:fld id="{A510E946-3D96-4A8C-B1AE-F590888A69AC}" type="datetimeFigureOut">
               <a:rPr kumimoji="1" lang="ja-JP" altLang="en-US" smtClean="0"/>
-              <a:t>2018/9/3</a:t>
+              <a:t>2018/9/20</a:t>
             </a:fld>
             <a:endParaRPr kumimoji="1" lang="ja-JP" altLang="en-US"/>
           </a:p>
@@ -261,70 +262,69 @@
           <a:p>
             <a:pPr lvl="0"/>
             <a:r>
-              <a:rPr kumimoji="1" lang="ja-JP" altLang="en-US" smtClean="0"/>
+              <a:rPr kumimoji="1" lang="ja-JP" altLang="en-US"/>
               <a:t>マスター テキストの書式設定</a:t>
             </a:r>
           </a:p>
           <a:p>
             <a:pPr lvl="1"/>
             <a:r>
-              <a:rPr kumimoji="1" lang="ja-JP" altLang="en-US" smtClean="0"/>
+              <a:rPr kumimoji="1" lang="ja-JP" altLang="en-US"/>
               <a:t>第 </a:t>
             </a:r>
             <a:r>
-              <a:rPr kumimoji="1" lang="en-US" altLang="ja-JP" smtClean="0"/>
+              <a:rPr kumimoji="1" lang="en-US" altLang="ja-JP"/>
               <a:t>2 </a:t>
             </a:r>
             <a:r>
-              <a:rPr kumimoji="1" lang="ja-JP" altLang="en-US" smtClean="0"/>
+              <a:rPr kumimoji="1" lang="ja-JP" altLang="en-US"/>
               <a:t>レベル</a:t>
             </a:r>
           </a:p>
           <a:p>
             <a:pPr lvl="2"/>
             <a:r>
-              <a:rPr kumimoji="1" lang="ja-JP" altLang="en-US" smtClean="0"/>
+              <a:rPr kumimoji="1" lang="ja-JP" altLang="en-US"/>
               <a:t>第 </a:t>
             </a:r>
             <a:r>
-              <a:rPr kumimoji="1" lang="en-US" altLang="ja-JP" smtClean="0"/>
+              <a:rPr kumimoji="1" lang="en-US" altLang="ja-JP"/>
               <a:t>3 </a:t>
             </a:r>
             <a:r>
-              <a:rPr kumimoji="1" lang="ja-JP" altLang="en-US" smtClean="0"/>
+              <a:rPr kumimoji="1" lang="ja-JP" altLang="en-US"/>
               <a:t>レベル</a:t>
             </a:r>
           </a:p>
           <a:p>
             <a:pPr lvl="3"/>
             <a:r>
-              <a:rPr kumimoji="1" lang="ja-JP" altLang="en-US" smtClean="0"/>
+              <a:rPr kumimoji="1" lang="ja-JP" altLang="en-US"/>
               <a:t>第 </a:t>
             </a:r>
             <a:r>
-              <a:rPr kumimoji="1" lang="en-US" altLang="ja-JP" smtClean="0"/>
+              <a:rPr kumimoji="1" lang="en-US" altLang="ja-JP"/>
               <a:t>4 </a:t>
             </a:r>
             <a:r>
-              <a:rPr kumimoji="1" lang="ja-JP" altLang="en-US" smtClean="0"/>
+              <a:rPr kumimoji="1" lang="ja-JP" altLang="en-US"/>
               <a:t>レベル</a:t>
             </a:r>
           </a:p>
           <a:p>
             <a:pPr lvl="4"/>
             <a:r>
-              <a:rPr kumimoji="1" lang="ja-JP" altLang="en-US" smtClean="0"/>
+              <a:rPr kumimoji="1" lang="ja-JP" altLang="en-US"/>
               <a:t>第 </a:t>
             </a:r>
             <a:r>
-              <a:rPr kumimoji="1" lang="en-US" altLang="ja-JP" smtClean="0"/>
+              <a:rPr kumimoji="1" lang="en-US" altLang="ja-JP"/>
               <a:t>5 </a:t>
             </a:r>
             <a:r>
-              <a:rPr kumimoji="1" lang="ja-JP" altLang="en-US" smtClean="0"/>
+              <a:rPr kumimoji="1" lang="ja-JP" altLang="en-US"/>
               <a:t>レベル</a:t>
             </a:r>
-            <a:endParaRPr kumimoji="1" lang="ja-JP" altLang="en-US"/>
           </a:p>
         </p:txBody>
       </p:sp>
@@ -497,6 +497,90 @@
 </p:notesMaster>
 </file>
 
+<file path=ppt/notesSlides/notesSlide1.xml><?xml version="1.0" encoding="utf-8"?>
+<p:notes xmlns:a="http://schemas.openxmlformats.org/drawingml/2006/main" xmlns:r="http://schemas.openxmlformats.org/officeDocument/2006/relationships" xmlns:p="http://schemas.openxmlformats.org/presentationml/2006/main">
+  <p:cSld>
+    <p:spTree>
+      <p:nvGrpSpPr>
+        <p:cNvPr id="1" name=""/>
+        <p:cNvGrpSpPr/>
+        <p:nvPr/>
+      </p:nvGrpSpPr>
+      <p:grpSpPr>
+        <a:xfrm>
+          <a:off x="0" y="0"/>
+          <a:ext cx="0" cy="0"/>
+          <a:chOff x="0" y="0"/>
+          <a:chExt cx="0" cy="0"/>
+        </a:xfrm>
+      </p:grpSpPr>
+      <p:sp>
+        <p:nvSpPr>
+          <p:cNvPr id="2" name="スライド イメージ プレースホルダー 1"/>
+          <p:cNvSpPr>
+            <a:spLocks noGrp="1" noRot="1" noChangeAspect="1"/>
+          </p:cNvSpPr>
+          <p:nvPr>
+            <p:ph type="sldImg"/>
+          </p:nvPr>
+        </p:nvSpPr>
+        <p:spPr/>
+      </p:sp>
+      <p:sp>
+        <p:nvSpPr>
+          <p:cNvPr id="3" name="ノート プレースホルダー 2"/>
+          <p:cNvSpPr>
+            <a:spLocks noGrp="1"/>
+          </p:cNvSpPr>
+          <p:nvPr>
+            <p:ph type="body" idx="1"/>
+          </p:nvPr>
+        </p:nvSpPr>
+        <p:spPr/>
+        <p:txBody>
+          <a:bodyPr/>
+          <a:lstStyle/>
+          <a:p>
+            <a:endParaRPr lang="en-US" dirty="0"/>
+          </a:p>
+        </p:txBody>
+      </p:sp>
+      <p:sp>
+        <p:nvSpPr>
+          <p:cNvPr id="4" name="スライド番号プレースホルダー 3"/>
+          <p:cNvSpPr>
+            <a:spLocks noGrp="1"/>
+          </p:cNvSpPr>
+          <p:nvPr>
+            <p:ph type="sldNum" sz="quarter" idx="10"/>
+          </p:nvPr>
+        </p:nvSpPr>
+        <p:spPr/>
+        <p:txBody>
+          <a:bodyPr/>
+          <a:lstStyle/>
+          <a:p>
+            <a:fld id="{D08BC0FC-2CD8-BE48-BAA2-3C32E9E50DEA}" type="slidenum">
+              <a:rPr lang="en-US" smtClean="0"/>
+              <a:t>2</a:t>
+            </a:fld>
+            <a:endParaRPr lang="en-US"/>
+          </a:p>
+        </p:txBody>
+      </p:sp>
+    </p:spTree>
+    <p:extLst>
+      <p:ext uri="{BB962C8B-B14F-4D97-AF65-F5344CB8AC3E}">
+        <p14:creationId xmlns:p14="http://schemas.microsoft.com/office/powerpoint/2010/main" val="2266303426"/>
+      </p:ext>
+    </p:extLst>
+  </p:cSld>
+  <p:clrMapOvr>
+    <a:masterClrMapping/>
+  </p:clrMapOvr>
+</p:notes>
+</file>
+
 <file path=ppt/slideLayouts/slideLayout1.xml><?xml version="1.0" encoding="utf-8"?>
 <p:sldLayout xmlns:a="http://schemas.openxmlformats.org/drawingml/2006/main" xmlns:r="http://schemas.openxmlformats.org/officeDocument/2006/relationships" xmlns:p="http://schemas.openxmlformats.org/presentationml/2006/main" type="title" preserve="1">
   <p:cSld name="タイトル スライド">
@@ -539,10 +623,9 @@
           </a:lstStyle>
           <a:p>
             <a:r>
-              <a:rPr kumimoji="1" lang="ja-JP" altLang="en-US" smtClean="0"/>
+              <a:rPr kumimoji="1" lang="ja-JP" altLang="en-US"/>
               <a:t>マスター タイトルの書式設定</a:t>
             </a:r>
-            <a:endParaRPr kumimoji="1" lang="ja-JP" altLang="en-US"/>
           </a:p>
         </p:txBody>
       </p:sp>
@@ -604,10 +687,9 @@
           </a:lstStyle>
           <a:p>
             <a:r>
-              <a:rPr kumimoji="1" lang="ja-JP" altLang="en-US" smtClean="0"/>
+              <a:rPr kumimoji="1" lang="ja-JP" altLang="en-US"/>
               <a:t>マスター サブタイトルの書式設定</a:t>
             </a:r>
-            <a:endParaRPr kumimoji="1" lang="ja-JP" altLang="en-US"/>
           </a:p>
         </p:txBody>
       </p:sp>
@@ -628,7 +710,7 @@
           <a:p>
             <a:fld id="{7D66321E-D6ED-4823-A3C3-7228593623B4}" type="datetimeFigureOut">
               <a:rPr kumimoji="1" lang="ja-JP" altLang="en-US" smtClean="0"/>
-              <a:t>2018/9/3</a:t>
+              <a:t>2018/9/20</a:t>
             </a:fld>
             <a:endParaRPr kumimoji="1" lang="ja-JP" altLang="en-US"/>
           </a:p>
@@ -686,13 +768,6 @@
   <p:clrMapOvr>
     <a:masterClrMapping/>
   </p:clrMapOvr>
-  <p:timing>
-    <p:tnLst>
-      <p:par>
-        <p:cTn id="1" dur="indefinite" restart="never" nodeType="tmRoot"/>
-      </p:par>
-    </p:tnLst>
-  </p:timing>
 </p:sldLayout>
 </file>
 
@@ -738,10 +813,9 @@
           </a:lstStyle>
           <a:p>
             <a:r>
-              <a:rPr kumimoji="1" lang="ja-JP" altLang="en-US" smtClean="0"/>
+              <a:rPr kumimoji="1" lang="ja-JP" altLang="en-US"/>
               <a:t>マスター タイトルの書式設定</a:t>
             </a:r>
-            <a:endParaRPr kumimoji="1" lang="ja-JP" altLang="en-US"/>
           </a:p>
         </p:txBody>
       </p:sp>
@@ -865,7 +939,7 @@
           <a:p>
             <a:pPr lvl="0"/>
             <a:r>
-              <a:rPr kumimoji="1" lang="ja-JP" altLang="en-US" smtClean="0"/>
+              <a:rPr kumimoji="1" lang="ja-JP" altLang="en-US"/>
               <a:t>マスター テキストの書式設定</a:t>
             </a:r>
           </a:p>
@@ -888,7 +962,7 @@
           <a:p>
             <a:fld id="{7D66321E-D6ED-4823-A3C3-7228593623B4}" type="datetimeFigureOut">
               <a:rPr kumimoji="1" lang="ja-JP" altLang="en-US" smtClean="0"/>
-              <a:t>2018/9/3</a:t>
+              <a:t>2018/9/20</a:t>
             </a:fld>
             <a:endParaRPr kumimoji="1" lang="ja-JP" altLang="en-US"/>
           </a:p>
@@ -982,10 +1056,9 @@
           <a:lstStyle/>
           <a:p>
             <a:r>
-              <a:rPr kumimoji="1" lang="ja-JP" altLang="en-US" smtClean="0"/>
+              <a:rPr kumimoji="1" lang="ja-JP" altLang="en-US"/>
               <a:t>マスター タイトルの書式設定</a:t>
             </a:r>
-            <a:endParaRPr kumimoji="1" lang="ja-JP" altLang="en-US"/>
           </a:p>
         </p:txBody>
       </p:sp>
@@ -1006,70 +1079,69 @@
           <a:p>
             <a:pPr lvl="0"/>
             <a:r>
-              <a:rPr kumimoji="1" lang="ja-JP" altLang="en-US" smtClean="0"/>
+              <a:rPr kumimoji="1" lang="ja-JP" altLang="en-US"/>
               <a:t>マスター テキストの書式設定</a:t>
             </a:r>
           </a:p>
           <a:p>
             <a:pPr lvl="1"/>
             <a:r>
-              <a:rPr kumimoji="1" lang="ja-JP" altLang="en-US" smtClean="0"/>
+              <a:rPr kumimoji="1" lang="ja-JP" altLang="en-US"/>
               <a:t>第 </a:t>
             </a:r>
             <a:r>
-              <a:rPr kumimoji="1" lang="en-US" altLang="ja-JP" smtClean="0"/>
+              <a:rPr kumimoji="1" lang="en-US" altLang="ja-JP"/>
               <a:t>2 </a:t>
             </a:r>
             <a:r>
-              <a:rPr kumimoji="1" lang="ja-JP" altLang="en-US" smtClean="0"/>
+              <a:rPr kumimoji="1" lang="ja-JP" altLang="en-US"/>
               <a:t>レベル</a:t>
             </a:r>
           </a:p>
           <a:p>
             <a:pPr lvl="2"/>
             <a:r>
-              <a:rPr kumimoji="1" lang="ja-JP" altLang="en-US" smtClean="0"/>
+              <a:rPr kumimoji="1" lang="ja-JP" altLang="en-US"/>
               <a:t>第 </a:t>
             </a:r>
             <a:r>
-              <a:rPr kumimoji="1" lang="en-US" altLang="ja-JP" smtClean="0"/>
+              <a:rPr kumimoji="1" lang="en-US" altLang="ja-JP"/>
               <a:t>3 </a:t>
             </a:r>
             <a:r>
-              <a:rPr kumimoji="1" lang="ja-JP" altLang="en-US" smtClean="0"/>
+              <a:rPr kumimoji="1" lang="ja-JP" altLang="en-US"/>
               <a:t>レベル</a:t>
             </a:r>
           </a:p>
           <a:p>
             <a:pPr lvl="3"/>
             <a:r>
-              <a:rPr kumimoji="1" lang="ja-JP" altLang="en-US" smtClean="0"/>
+              <a:rPr kumimoji="1" lang="ja-JP" altLang="en-US"/>
               <a:t>第 </a:t>
             </a:r>
             <a:r>
-              <a:rPr kumimoji="1" lang="en-US" altLang="ja-JP" smtClean="0"/>
+              <a:rPr kumimoji="1" lang="en-US" altLang="ja-JP"/>
               <a:t>4 </a:t>
             </a:r>
             <a:r>
-              <a:rPr kumimoji="1" lang="ja-JP" altLang="en-US" smtClean="0"/>
+              <a:rPr kumimoji="1" lang="ja-JP" altLang="en-US"/>
               <a:t>レベル</a:t>
             </a:r>
           </a:p>
           <a:p>
             <a:pPr lvl="4"/>
             <a:r>
-              <a:rPr kumimoji="1" lang="ja-JP" altLang="en-US" smtClean="0"/>
+              <a:rPr kumimoji="1" lang="ja-JP" altLang="en-US"/>
               <a:t>第 </a:t>
             </a:r>
             <a:r>
-              <a:rPr kumimoji="1" lang="en-US" altLang="ja-JP" smtClean="0"/>
+              <a:rPr kumimoji="1" lang="en-US" altLang="ja-JP"/>
               <a:t>5 </a:t>
             </a:r>
             <a:r>
-              <a:rPr kumimoji="1" lang="ja-JP" altLang="en-US" smtClean="0"/>
+              <a:rPr kumimoji="1" lang="ja-JP" altLang="en-US"/>
               <a:t>レベル</a:t>
             </a:r>
-            <a:endParaRPr kumimoji="1" lang="ja-JP" altLang="en-US"/>
           </a:p>
         </p:txBody>
       </p:sp>
@@ -1090,7 +1162,7 @@
           <a:p>
             <a:fld id="{7D66321E-D6ED-4823-A3C3-7228593623B4}" type="datetimeFigureOut">
               <a:rPr kumimoji="1" lang="ja-JP" altLang="en-US" smtClean="0"/>
-              <a:t>2018/9/3</a:t>
+              <a:t>2018/9/20</a:t>
             </a:fld>
             <a:endParaRPr kumimoji="1" lang="ja-JP" altLang="en-US"/>
           </a:p>
@@ -1189,10 +1261,9 @@
           <a:lstStyle/>
           <a:p>
             <a:r>
-              <a:rPr kumimoji="1" lang="ja-JP" altLang="en-US" smtClean="0"/>
+              <a:rPr kumimoji="1" lang="ja-JP" altLang="en-US"/>
               <a:t>マスター タイトルの書式設定</a:t>
             </a:r>
-            <a:endParaRPr kumimoji="1" lang="ja-JP" altLang="en-US"/>
           </a:p>
         </p:txBody>
       </p:sp>
@@ -1218,70 +1289,69 @@
           <a:p>
             <a:pPr lvl="0"/>
             <a:r>
-              <a:rPr kumimoji="1" lang="ja-JP" altLang="en-US" smtClean="0"/>
+              <a:rPr kumimoji="1" lang="ja-JP" altLang="en-US"/>
               <a:t>マスター テキストの書式設定</a:t>
             </a:r>
           </a:p>
           <a:p>
             <a:pPr lvl="1"/>
             <a:r>
-              <a:rPr kumimoji="1" lang="ja-JP" altLang="en-US" smtClean="0"/>
+              <a:rPr kumimoji="1" lang="ja-JP" altLang="en-US"/>
               <a:t>第 </a:t>
             </a:r>
             <a:r>
-              <a:rPr kumimoji="1" lang="en-US" altLang="ja-JP" smtClean="0"/>
+              <a:rPr kumimoji="1" lang="en-US" altLang="ja-JP"/>
               <a:t>2 </a:t>
             </a:r>
             <a:r>
-              <a:rPr kumimoji="1" lang="ja-JP" altLang="en-US" smtClean="0"/>
+              <a:rPr kumimoji="1" lang="ja-JP" altLang="en-US"/>
               <a:t>レベル</a:t>
             </a:r>
           </a:p>
           <a:p>
             <a:pPr lvl="2"/>
             <a:r>
-              <a:rPr kumimoji="1" lang="ja-JP" altLang="en-US" smtClean="0"/>
+              <a:rPr kumimoji="1" lang="ja-JP" altLang="en-US"/>
               <a:t>第 </a:t>
             </a:r>
             <a:r>
-              <a:rPr kumimoji="1" lang="en-US" altLang="ja-JP" smtClean="0"/>
+              <a:rPr kumimoji="1" lang="en-US" altLang="ja-JP"/>
               <a:t>3 </a:t>
             </a:r>
             <a:r>
-              <a:rPr kumimoji="1" lang="ja-JP" altLang="en-US" smtClean="0"/>
+              <a:rPr kumimoji="1" lang="ja-JP" altLang="en-US"/>
               <a:t>レベル</a:t>
             </a:r>
           </a:p>
           <a:p>
             <a:pPr lvl="3"/>
             <a:r>
-              <a:rPr kumimoji="1" lang="ja-JP" altLang="en-US" smtClean="0"/>
+              <a:rPr kumimoji="1" lang="ja-JP" altLang="en-US"/>
               <a:t>第 </a:t>
             </a:r>
             <a:r>
-              <a:rPr kumimoji="1" lang="en-US" altLang="ja-JP" smtClean="0"/>
+              <a:rPr kumimoji="1" lang="en-US" altLang="ja-JP"/>
               <a:t>4 </a:t>
             </a:r>
             <a:r>
-              <a:rPr kumimoji="1" lang="ja-JP" altLang="en-US" smtClean="0"/>
+              <a:rPr kumimoji="1" lang="ja-JP" altLang="en-US"/>
               <a:t>レベル</a:t>
             </a:r>
           </a:p>
           <a:p>
             <a:pPr lvl="4"/>
             <a:r>
-              <a:rPr kumimoji="1" lang="ja-JP" altLang="en-US" smtClean="0"/>
+              <a:rPr kumimoji="1" lang="ja-JP" altLang="en-US"/>
               <a:t>第 </a:t>
             </a:r>
             <a:r>
-              <a:rPr kumimoji="1" lang="en-US" altLang="ja-JP" smtClean="0"/>
+              <a:rPr kumimoji="1" lang="en-US" altLang="ja-JP"/>
               <a:t>5 </a:t>
             </a:r>
             <a:r>
-              <a:rPr kumimoji="1" lang="ja-JP" altLang="en-US" smtClean="0"/>
+              <a:rPr kumimoji="1" lang="ja-JP" altLang="en-US"/>
               <a:t>レベル</a:t>
             </a:r>
-            <a:endParaRPr kumimoji="1" lang="ja-JP" altLang="en-US"/>
           </a:p>
         </p:txBody>
       </p:sp>
@@ -1302,7 +1372,7 @@
           <a:p>
             <a:fld id="{7D66321E-D6ED-4823-A3C3-7228593623B4}" type="datetimeFigureOut">
               <a:rPr kumimoji="1" lang="ja-JP" altLang="en-US" smtClean="0"/>
-              <a:t>2018/9/3</a:t>
+              <a:t>2018/9/20</a:t>
             </a:fld>
             <a:endParaRPr kumimoji="1" lang="ja-JP" altLang="en-US"/>
           </a:p>
@@ -1488,7 +1558,7 @@
           <a:p>
             <a:fld id="{EABCEDCD-3B7D-844F-82D1-CAF6F9FF43CD}" type="datetimeFigureOut">
               <a:rPr lang="en-US" smtClean="0"/>
-              <a:t>9/3/2018</a:t>
+              <a:t>9/20/18</a:t>
             </a:fld>
             <a:endParaRPr lang="en-US"/>
           </a:p>
@@ -1558,13 +1628,6 @@
   <p:clrMapOvr>
     <a:masterClrMapping/>
   </p:clrMapOvr>
-  <p:timing>
-    <p:tnLst>
-      <p:par>
-        <p:cTn id="1" dur="indefinite" restart="never" nodeType="tmRoot"/>
-      </p:par>
-    </p:tnLst>
-  </p:timing>
 </p:sldLayout>
 </file>
 
@@ -1611,7 +1674,7 @@
           </a:lstStyle>
           <a:p>
             <a:pPr lvl="0"/>
-            <a:endParaRPr kumimoji="1" lang="ja-JP" altLang="en-US" dirty="0" smtClean="0"/>
+            <a:endParaRPr kumimoji="1" lang="ja-JP" altLang="en-US" dirty="0"/>
           </a:p>
         </p:txBody>
       </p:sp>
@@ -1641,7 +1704,7 @@
           </a:lstStyle>
           <a:p>
             <a:pPr lvl="0"/>
-            <a:endParaRPr kumimoji="1" lang="ja-JP" altLang="en-US" dirty="0" smtClean="0"/>
+            <a:endParaRPr kumimoji="1" lang="ja-JP" altLang="en-US" dirty="0"/>
           </a:p>
         </p:txBody>
       </p:sp>
@@ -1671,7 +1734,7 @@
           </a:lstStyle>
           <a:p>
             <a:pPr lvl="0"/>
-            <a:endParaRPr kumimoji="1" lang="ja-JP" altLang="en-US" dirty="0" smtClean="0"/>
+            <a:endParaRPr kumimoji="1" lang="ja-JP" altLang="en-US" dirty="0"/>
           </a:p>
         </p:txBody>
       </p:sp>
@@ -2068,7 +2131,7 @@
           </a:lstStyle>
           <a:p>
             <a:pPr lvl="0"/>
-            <a:endParaRPr kumimoji="1" lang="ja-JP" altLang="en-US" dirty="0" smtClean="0"/>
+            <a:endParaRPr kumimoji="1" lang="ja-JP" altLang="en-US" dirty="0"/>
           </a:p>
         </p:txBody>
       </p:sp>
@@ -2098,7 +2161,7 @@
           </a:lstStyle>
           <a:p>
             <a:pPr lvl="0"/>
-            <a:endParaRPr kumimoji="1" lang="ja-JP" altLang="en-US" dirty="0" smtClean="0"/>
+            <a:endParaRPr kumimoji="1" lang="ja-JP" altLang="en-US" dirty="0"/>
           </a:p>
         </p:txBody>
       </p:sp>
@@ -2128,7 +2191,7 @@
           </a:lstStyle>
           <a:p>
             <a:pPr lvl="0"/>
-            <a:endParaRPr kumimoji="1" lang="ja-JP" altLang="en-US" dirty="0" smtClean="0"/>
+            <a:endParaRPr kumimoji="1" lang="ja-JP" altLang="en-US" dirty="0"/>
           </a:p>
         </p:txBody>
       </p:sp>
@@ -2158,7 +2221,7 @@
           </a:lstStyle>
           <a:p>
             <a:pPr lvl="0"/>
-            <a:endParaRPr kumimoji="1" lang="ja-JP" altLang="en-US" dirty="0" smtClean="0"/>
+            <a:endParaRPr kumimoji="1" lang="ja-JP" altLang="en-US" dirty="0"/>
           </a:p>
         </p:txBody>
       </p:sp>
@@ -2188,7 +2251,7 @@
           </a:lstStyle>
           <a:p>
             <a:pPr lvl="0"/>
-            <a:endParaRPr kumimoji="1" lang="ja-JP" altLang="en-US" dirty="0" smtClean="0"/>
+            <a:endParaRPr kumimoji="1" lang="ja-JP" altLang="en-US" dirty="0"/>
           </a:p>
         </p:txBody>
       </p:sp>
@@ -2219,7 +2282,7 @@
           </a:lstStyle>
           <a:p>
             <a:pPr lvl="0"/>
-            <a:endParaRPr kumimoji="1" lang="ja-JP" altLang="en-US" dirty="0" smtClean="0"/>
+            <a:endParaRPr kumimoji="1" lang="ja-JP" altLang="en-US" dirty="0"/>
           </a:p>
         </p:txBody>
       </p:sp>
@@ -2249,7 +2312,7 @@
           </a:lstStyle>
           <a:p>
             <a:pPr lvl="0"/>
-            <a:endParaRPr kumimoji="1" lang="ja-JP" altLang="en-US" dirty="0" smtClean="0"/>
+            <a:endParaRPr kumimoji="1" lang="ja-JP" altLang="en-US" dirty="0"/>
           </a:p>
         </p:txBody>
       </p:sp>
@@ -2281,7 +2344,7 @@
           </a:lstStyle>
           <a:p>
             <a:pPr lvl="0"/>
-            <a:endParaRPr kumimoji="1" lang="ja-JP" altLang="en-US" dirty="0" smtClean="0"/>
+            <a:endParaRPr kumimoji="1" lang="ja-JP" altLang="en-US" dirty="0"/>
           </a:p>
         </p:txBody>
       </p:sp>
@@ -2295,13 +2358,6 @@
   <p:clrMapOvr>
     <a:masterClrMapping/>
   </p:clrMapOvr>
-  <p:timing>
-    <p:tnLst>
-      <p:par>
-        <p:cTn id="1" dur="indefinite" restart="never" nodeType="tmRoot"/>
-      </p:par>
-    </p:tnLst>
-  </p:timing>
 </p:sldLayout>
 </file>
 
@@ -2347,10 +2403,9 @@
           </a:lstStyle>
           <a:p>
             <a:r>
-              <a:rPr kumimoji="1" lang="ja-JP" altLang="en-US" smtClean="0"/>
+              <a:rPr kumimoji="1" lang="ja-JP" altLang="en-US"/>
               <a:t>マスター タイトルの書式設定</a:t>
             </a:r>
-            <a:endParaRPr kumimoji="1" lang="ja-JP" altLang="en-US"/>
           </a:p>
         </p:txBody>
       </p:sp>
@@ -2467,7 +2522,7 @@
           <a:p>
             <a:pPr lvl="0"/>
             <a:r>
-              <a:rPr kumimoji="1" lang="ja-JP" altLang="en-US" smtClean="0"/>
+              <a:rPr kumimoji="1" lang="ja-JP" altLang="en-US"/>
               <a:t>マスター テキストの書式設定</a:t>
             </a:r>
           </a:p>
@@ -2490,7 +2545,7 @@
           <a:p>
             <a:fld id="{7D66321E-D6ED-4823-A3C3-7228593623B4}" type="datetimeFigureOut">
               <a:rPr kumimoji="1" lang="ja-JP" altLang="en-US" smtClean="0"/>
-              <a:t>2018/9/3</a:t>
+              <a:t>2018/9/20</a:t>
             </a:fld>
             <a:endParaRPr kumimoji="1" lang="ja-JP" altLang="en-US"/>
           </a:p>
@@ -2584,10 +2639,9 @@
           <a:lstStyle/>
           <a:p>
             <a:r>
-              <a:rPr kumimoji="1" lang="ja-JP" altLang="en-US" smtClean="0"/>
+              <a:rPr kumimoji="1" lang="ja-JP" altLang="en-US"/>
               <a:t>マスター タイトルの書式設定</a:t>
             </a:r>
-            <a:endParaRPr kumimoji="1" lang="ja-JP" altLang="en-US"/>
           </a:p>
         </p:txBody>
       </p:sp>
@@ -2613,70 +2667,69 @@
           <a:p>
             <a:pPr lvl="0"/>
             <a:r>
-              <a:rPr kumimoji="1" lang="ja-JP" altLang="en-US" smtClean="0"/>
+              <a:rPr kumimoji="1" lang="ja-JP" altLang="en-US"/>
               <a:t>マスター テキストの書式設定</a:t>
             </a:r>
           </a:p>
           <a:p>
             <a:pPr lvl="1"/>
             <a:r>
-              <a:rPr kumimoji="1" lang="ja-JP" altLang="en-US" smtClean="0"/>
+              <a:rPr kumimoji="1" lang="ja-JP" altLang="en-US"/>
               <a:t>第 </a:t>
             </a:r>
             <a:r>
-              <a:rPr kumimoji="1" lang="en-US" altLang="ja-JP" smtClean="0"/>
+              <a:rPr kumimoji="1" lang="en-US" altLang="ja-JP"/>
               <a:t>2 </a:t>
             </a:r>
             <a:r>
-              <a:rPr kumimoji="1" lang="ja-JP" altLang="en-US" smtClean="0"/>
+              <a:rPr kumimoji="1" lang="ja-JP" altLang="en-US"/>
               <a:t>レベル</a:t>
             </a:r>
           </a:p>
           <a:p>
             <a:pPr lvl="2"/>
             <a:r>
-              <a:rPr kumimoji="1" lang="ja-JP" altLang="en-US" smtClean="0"/>
+              <a:rPr kumimoji="1" lang="ja-JP" altLang="en-US"/>
               <a:t>第 </a:t>
             </a:r>
             <a:r>
-              <a:rPr kumimoji="1" lang="en-US" altLang="ja-JP" smtClean="0"/>
+              <a:rPr kumimoji="1" lang="en-US" altLang="ja-JP"/>
               <a:t>3 </a:t>
             </a:r>
             <a:r>
-              <a:rPr kumimoji="1" lang="ja-JP" altLang="en-US" smtClean="0"/>
+              <a:rPr kumimoji="1" lang="ja-JP" altLang="en-US"/>
               <a:t>レベル</a:t>
             </a:r>
           </a:p>
           <a:p>
             <a:pPr lvl="3"/>
             <a:r>
-              <a:rPr kumimoji="1" lang="ja-JP" altLang="en-US" smtClean="0"/>
+              <a:rPr kumimoji="1" lang="ja-JP" altLang="en-US"/>
               <a:t>第 </a:t>
             </a:r>
             <a:r>
-              <a:rPr kumimoji="1" lang="en-US" altLang="ja-JP" smtClean="0"/>
+              <a:rPr kumimoji="1" lang="en-US" altLang="ja-JP"/>
               <a:t>4 </a:t>
             </a:r>
             <a:r>
-              <a:rPr kumimoji="1" lang="ja-JP" altLang="en-US" smtClean="0"/>
+              <a:rPr kumimoji="1" lang="ja-JP" altLang="en-US"/>
               <a:t>レベル</a:t>
             </a:r>
           </a:p>
           <a:p>
             <a:pPr lvl="4"/>
             <a:r>
-              <a:rPr kumimoji="1" lang="ja-JP" altLang="en-US" smtClean="0"/>
+              <a:rPr kumimoji="1" lang="ja-JP" altLang="en-US"/>
               <a:t>第 </a:t>
             </a:r>
             <a:r>
-              <a:rPr kumimoji="1" lang="en-US" altLang="ja-JP" smtClean="0"/>
+              <a:rPr kumimoji="1" lang="en-US" altLang="ja-JP"/>
               <a:t>5 </a:t>
             </a:r>
             <a:r>
-              <a:rPr kumimoji="1" lang="ja-JP" altLang="en-US" smtClean="0"/>
+              <a:rPr kumimoji="1" lang="ja-JP" altLang="en-US"/>
               <a:t>レベル</a:t>
             </a:r>
-            <a:endParaRPr kumimoji="1" lang="ja-JP" altLang="en-US"/>
           </a:p>
         </p:txBody>
       </p:sp>
@@ -2702,70 +2755,69 @@
           <a:p>
             <a:pPr lvl="0"/>
             <a:r>
-              <a:rPr kumimoji="1" lang="ja-JP" altLang="en-US" smtClean="0"/>
+              <a:rPr kumimoji="1" lang="ja-JP" altLang="en-US"/>
               <a:t>マスター テキストの書式設定</a:t>
             </a:r>
           </a:p>
           <a:p>
             <a:pPr lvl="1"/>
             <a:r>
-              <a:rPr kumimoji="1" lang="ja-JP" altLang="en-US" smtClean="0"/>
+              <a:rPr kumimoji="1" lang="ja-JP" altLang="en-US"/>
               <a:t>第 </a:t>
             </a:r>
             <a:r>
-              <a:rPr kumimoji="1" lang="en-US" altLang="ja-JP" smtClean="0"/>
+              <a:rPr kumimoji="1" lang="en-US" altLang="ja-JP"/>
               <a:t>2 </a:t>
             </a:r>
             <a:r>
-              <a:rPr kumimoji="1" lang="ja-JP" altLang="en-US" smtClean="0"/>
+              <a:rPr kumimoji="1" lang="ja-JP" altLang="en-US"/>
               <a:t>レベル</a:t>
             </a:r>
           </a:p>
           <a:p>
             <a:pPr lvl="2"/>
             <a:r>
-              <a:rPr kumimoji="1" lang="ja-JP" altLang="en-US" smtClean="0"/>
+              <a:rPr kumimoji="1" lang="ja-JP" altLang="en-US"/>
               <a:t>第 </a:t>
             </a:r>
             <a:r>
-              <a:rPr kumimoji="1" lang="en-US" altLang="ja-JP" smtClean="0"/>
+              <a:rPr kumimoji="1" lang="en-US" altLang="ja-JP"/>
               <a:t>3 </a:t>
             </a:r>
             <a:r>
-              <a:rPr kumimoji="1" lang="ja-JP" altLang="en-US" smtClean="0"/>
+              <a:rPr kumimoji="1" lang="ja-JP" altLang="en-US"/>
               <a:t>レベル</a:t>
             </a:r>
           </a:p>
           <a:p>
             <a:pPr lvl="3"/>
             <a:r>
-              <a:rPr kumimoji="1" lang="ja-JP" altLang="en-US" smtClean="0"/>
+              <a:rPr kumimoji="1" lang="ja-JP" altLang="en-US"/>
               <a:t>第 </a:t>
             </a:r>
             <a:r>
-              <a:rPr kumimoji="1" lang="en-US" altLang="ja-JP" smtClean="0"/>
+              <a:rPr kumimoji="1" lang="en-US" altLang="ja-JP"/>
               <a:t>4 </a:t>
             </a:r>
             <a:r>
-              <a:rPr kumimoji="1" lang="ja-JP" altLang="en-US" smtClean="0"/>
+              <a:rPr kumimoji="1" lang="ja-JP" altLang="en-US"/>
               <a:t>レベル</a:t>
             </a:r>
           </a:p>
           <a:p>
             <a:pPr lvl="4"/>
             <a:r>
-              <a:rPr kumimoji="1" lang="ja-JP" altLang="en-US" smtClean="0"/>
+              <a:rPr kumimoji="1" lang="ja-JP" altLang="en-US"/>
               <a:t>第 </a:t>
             </a:r>
             <a:r>
-              <a:rPr kumimoji="1" lang="en-US" altLang="ja-JP" smtClean="0"/>
+              <a:rPr kumimoji="1" lang="en-US" altLang="ja-JP"/>
               <a:t>5 </a:t>
             </a:r>
             <a:r>
-              <a:rPr kumimoji="1" lang="ja-JP" altLang="en-US" smtClean="0"/>
+              <a:rPr kumimoji="1" lang="ja-JP" altLang="en-US"/>
               <a:t>レベル</a:t>
             </a:r>
-            <a:endParaRPr kumimoji="1" lang="ja-JP" altLang="en-US"/>
           </a:p>
         </p:txBody>
       </p:sp>
@@ -2786,7 +2838,7 @@
           <a:p>
             <a:fld id="{7D66321E-D6ED-4823-A3C3-7228593623B4}" type="datetimeFigureOut">
               <a:rPr kumimoji="1" lang="ja-JP" altLang="en-US" smtClean="0"/>
-              <a:t>2018/9/3</a:t>
+              <a:t>2018/9/20</a:t>
             </a:fld>
             <a:endParaRPr kumimoji="1" lang="ja-JP" altLang="en-US"/>
           </a:p>
@@ -2885,10 +2937,9 @@
           <a:lstStyle/>
           <a:p>
             <a:r>
-              <a:rPr kumimoji="1" lang="ja-JP" altLang="en-US" smtClean="0"/>
+              <a:rPr kumimoji="1" lang="ja-JP" altLang="en-US"/>
               <a:t>マスター タイトルの書式設定</a:t>
             </a:r>
-            <a:endParaRPr kumimoji="1" lang="ja-JP" altLang="en-US"/>
           </a:p>
         </p:txBody>
       </p:sp>
@@ -2951,7 +3002,7 @@
           <a:p>
             <a:pPr lvl="0"/>
             <a:r>
-              <a:rPr kumimoji="1" lang="ja-JP" altLang="en-US" smtClean="0"/>
+              <a:rPr kumimoji="1" lang="ja-JP" altLang="en-US"/>
               <a:t>マスター テキストの書式設定</a:t>
             </a:r>
           </a:p>
@@ -2979,70 +3030,69 @@
           <a:p>
             <a:pPr lvl="0"/>
             <a:r>
-              <a:rPr kumimoji="1" lang="ja-JP" altLang="en-US" smtClean="0"/>
+              <a:rPr kumimoji="1" lang="ja-JP" altLang="en-US"/>
               <a:t>マスター テキストの書式設定</a:t>
             </a:r>
           </a:p>
           <a:p>
             <a:pPr lvl="1"/>
             <a:r>
-              <a:rPr kumimoji="1" lang="ja-JP" altLang="en-US" smtClean="0"/>
+              <a:rPr kumimoji="1" lang="ja-JP" altLang="en-US"/>
               <a:t>第 </a:t>
             </a:r>
             <a:r>
-              <a:rPr kumimoji="1" lang="en-US" altLang="ja-JP" smtClean="0"/>
+              <a:rPr kumimoji="1" lang="en-US" altLang="ja-JP"/>
               <a:t>2 </a:t>
             </a:r>
             <a:r>
-              <a:rPr kumimoji="1" lang="ja-JP" altLang="en-US" smtClean="0"/>
+              <a:rPr kumimoji="1" lang="ja-JP" altLang="en-US"/>
               <a:t>レベル</a:t>
             </a:r>
           </a:p>
           <a:p>
             <a:pPr lvl="2"/>
             <a:r>
-              <a:rPr kumimoji="1" lang="ja-JP" altLang="en-US" smtClean="0"/>
+              <a:rPr kumimoji="1" lang="ja-JP" altLang="en-US"/>
               <a:t>第 </a:t>
             </a:r>
             <a:r>
-              <a:rPr kumimoji="1" lang="en-US" altLang="ja-JP" smtClean="0"/>
+              <a:rPr kumimoji="1" lang="en-US" altLang="ja-JP"/>
               <a:t>3 </a:t>
             </a:r>
             <a:r>
-              <a:rPr kumimoji="1" lang="ja-JP" altLang="en-US" smtClean="0"/>
+              <a:rPr kumimoji="1" lang="ja-JP" altLang="en-US"/>
               <a:t>レベル</a:t>
             </a:r>
           </a:p>
           <a:p>
             <a:pPr lvl="3"/>
             <a:r>
-              <a:rPr kumimoji="1" lang="ja-JP" altLang="en-US" smtClean="0"/>
+              <a:rPr kumimoji="1" lang="ja-JP" altLang="en-US"/>
               <a:t>第 </a:t>
             </a:r>
             <a:r>
-              <a:rPr kumimoji="1" lang="en-US" altLang="ja-JP" smtClean="0"/>
+              <a:rPr kumimoji="1" lang="en-US" altLang="ja-JP"/>
               <a:t>4 </a:t>
             </a:r>
             <a:r>
-              <a:rPr kumimoji="1" lang="ja-JP" altLang="en-US" smtClean="0"/>
+              <a:rPr kumimoji="1" lang="ja-JP" altLang="en-US"/>
               <a:t>レベル</a:t>
             </a:r>
           </a:p>
           <a:p>
             <a:pPr lvl="4"/>
             <a:r>
-              <a:rPr kumimoji="1" lang="ja-JP" altLang="en-US" smtClean="0"/>
+              <a:rPr kumimoji="1" lang="ja-JP" altLang="en-US"/>
               <a:t>第 </a:t>
             </a:r>
             <a:r>
-              <a:rPr kumimoji="1" lang="en-US" altLang="ja-JP" smtClean="0"/>
+              <a:rPr kumimoji="1" lang="en-US" altLang="ja-JP"/>
               <a:t>5 </a:t>
             </a:r>
             <a:r>
-              <a:rPr kumimoji="1" lang="ja-JP" altLang="en-US" smtClean="0"/>
+              <a:rPr kumimoji="1" lang="ja-JP" altLang="en-US"/>
               <a:t>レベル</a:t>
             </a:r>
-            <a:endParaRPr kumimoji="1" lang="ja-JP" altLang="en-US"/>
           </a:p>
         </p:txBody>
       </p:sp>
@@ -3105,7 +3155,7 @@
           <a:p>
             <a:pPr lvl="0"/>
             <a:r>
-              <a:rPr kumimoji="1" lang="ja-JP" altLang="en-US" smtClean="0"/>
+              <a:rPr kumimoji="1" lang="ja-JP" altLang="en-US"/>
               <a:t>マスター テキストの書式設定</a:t>
             </a:r>
           </a:p>
@@ -3133,70 +3183,69 @@
           <a:p>
             <a:pPr lvl="0"/>
             <a:r>
-              <a:rPr kumimoji="1" lang="ja-JP" altLang="en-US" smtClean="0"/>
+              <a:rPr kumimoji="1" lang="ja-JP" altLang="en-US"/>
               <a:t>マスター テキストの書式設定</a:t>
             </a:r>
           </a:p>
           <a:p>
             <a:pPr lvl="1"/>
             <a:r>
-              <a:rPr kumimoji="1" lang="ja-JP" altLang="en-US" smtClean="0"/>
+              <a:rPr kumimoji="1" lang="ja-JP" altLang="en-US"/>
               <a:t>第 </a:t>
             </a:r>
             <a:r>
-              <a:rPr kumimoji="1" lang="en-US" altLang="ja-JP" smtClean="0"/>
+              <a:rPr kumimoji="1" lang="en-US" altLang="ja-JP"/>
               <a:t>2 </a:t>
             </a:r>
             <a:r>
-              <a:rPr kumimoji="1" lang="ja-JP" altLang="en-US" smtClean="0"/>
+              <a:rPr kumimoji="1" lang="ja-JP" altLang="en-US"/>
               <a:t>レベル</a:t>
             </a:r>
           </a:p>
           <a:p>
             <a:pPr lvl="2"/>
             <a:r>
-              <a:rPr kumimoji="1" lang="ja-JP" altLang="en-US" smtClean="0"/>
+              <a:rPr kumimoji="1" lang="ja-JP" altLang="en-US"/>
               <a:t>第 </a:t>
             </a:r>
             <a:r>
-              <a:rPr kumimoji="1" lang="en-US" altLang="ja-JP" smtClean="0"/>
+              <a:rPr kumimoji="1" lang="en-US" altLang="ja-JP"/>
               <a:t>3 </a:t>
             </a:r>
             <a:r>
-              <a:rPr kumimoji="1" lang="ja-JP" altLang="en-US" smtClean="0"/>
+              <a:rPr kumimoji="1" lang="ja-JP" altLang="en-US"/>
               <a:t>レベル</a:t>
             </a:r>
           </a:p>
           <a:p>
             <a:pPr lvl="3"/>
             <a:r>
-              <a:rPr kumimoji="1" lang="ja-JP" altLang="en-US" smtClean="0"/>
+              <a:rPr kumimoji="1" lang="ja-JP" altLang="en-US"/>
               <a:t>第 </a:t>
             </a:r>
             <a:r>
-              <a:rPr kumimoji="1" lang="en-US" altLang="ja-JP" smtClean="0"/>
+              <a:rPr kumimoji="1" lang="en-US" altLang="ja-JP"/>
               <a:t>4 </a:t>
             </a:r>
             <a:r>
-              <a:rPr kumimoji="1" lang="ja-JP" altLang="en-US" smtClean="0"/>
+              <a:rPr kumimoji="1" lang="ja-JP" altLang="en-US"/>
               <a:t>レベル</a:t>
             </a:r>
           </a:p>
           <a:p>
             <a:pPr lvl="4"/>
             <a:r>
-              <a:rPr kumimoji="1" lang="ja-JP" altLang="en-US" smtClean="0"/>
+              <a:rPr kumimoji="1" lang="ja-JP" altLang="en-US"/>
               <a:t>第 </a:t>
             </a:r>
             <a:r>
-              <a:rPr kumimoji="1" lang="en-US" altLang="ja-JP" smtClean="0"/>
+              <a:rPr kumimoji="1" lang="en-US" altLang="ja-JP"/>
               <a:t>5 </a:t>
             </a:r>
             <a:r>
-              <a:rPr kumimoji="1" lang="ja-JP" altLang="en-US" smtClean="0"/>
+              <a:rPr kumimoji="1" lang="ja-JP" altLang="en-US"/>
               <a:t>レベル</a:t>
             </a:r>
-            <a:endParaRPr kumimoji="1" lang="ja-JP" altLang="en-US"/>
           </a:p>
         </p:txBody>
       </p:sp>
@@ -3217,7 +3266,7 @@
           <a:p>
             <a:fld id="{7D66321E-D6ED-4823-A3C3-7228593623B4}" type="datetimeFigureOut">
               <a:rPr kumimoji="1" lang="ja-JP" altLang="en-US" smtClean="0"/>
-              <a:t>2018/9/3</a:t>
+              <a:t>2018/9/20</a:t>
             </a:fld>
             <a:endParaRPr kumimoji="1" lang="ja-JP" altLang="en-US"/>
           </a:p>
@@ -3311,10 +3360,9 @@
           <a:lstStyle/>
           <a:p>
             <a:r>
-              <a:rPr kumimoji="1" lang="ja-JP" altLang="en-US" smtClean="0"/>
+              <a:rPr kumimoji="1" lang="ja-JP" altLang="en-US"/>
               <a:t>マスター タイトルの書式設定</a:t>
             </a:r>
-            <a:endParaRPr kumimoji="1" lang="ja-JP" altLang="en-US"/>
           </a:p>
         </p:txBody>
       </p:sp>
@@ -3335,7 +3383,7 @@
           <a:p>
             <a:fld id="{7D66321E-D6ED-4823-A3C3-7228593623B4}" type="datetimeFigureOut">
               <a:rPr kumimoji="1" lang="ja-JP" altLang="en-US" smtClean="0"/>
-              <a:t>2018/9/3</a:t>
+              <a:t>2018/9/20</a:t>
             </a:fld>
             <a:endParaRPr kumimoji="1" lang="ja-JP" altLang="en-US"/>
           </a:p>
@@ -3430,7 +3478,7 @@
           <a:p>
             <a:fld id="{7D66321E-D6ED-4823-A3C3-7228593623B4}" type="datetimeFigureOut">
               <a:rPr kumimoji="1" lang="ja-JP" altLang="en-US" smtClean="0"/>
-              <a:t>2018/9/3</a:t>
+              <a:t>2018/9/20</a:t>
             </a:fld>
             <a:endParaRPr kumimoji="1" lang="ja-JP" altLang="en-US"/>
           </a:p>
@@ -3533,10 +3581,9 @@
           </a:lstStyle>
           <a:p>
             <a:r>
-              <a:rPr kumimoji="1" lang="ja-JP" altLang="en-US" smtClean="0"/>
+              <a:rPr kumimoji="1" lang="ja-JP" altLang="en-US"/>
               <a:t>マスター タイトルの書式設定</a:t>
             </a:r>
-            <a:endParaRPr kumimoji="1" lang="ja-JP" altLang="en-US"/>
           </a:p>
         </p:txBody>
       </p:sp>
@@ -3590,70 +3637,69 @@
           <a:p>
             <a:pPr lvl="0"/>
             <a:r>
-              <a:rPr kumimoji="1" lang="ja-JP" altLang="en-US" smtClean="0"/>
+              <a:rPr kumimoji="1" lang="ja-JP" altLang="en-US"/>
               <a:t>マスター テキストの書式設定</a:t>
             </a:r>
           </a:p>
           <a:p>
             <a:pPr lvl="1"/>
             <a:r>
-              <a:rPr kumimoji="1" lang="ja-JP" altLang="en-US" smtClean="0"/>
+              <a:rPr kumimoji="1" lang="ja-JP" altLang="en-US"/>
               <a:t>第 </a:t>
             </a:r>
             <a:r>
-              <a:rPr kumimoji="1" lang="en-US" altLang="ja-JP" smtClean="0"/>
+              <a:rPr kumimoji="1" lang="en-US" altLang="ja-JP"/>
               <a:t>2 </a:t>
             </a:r>
             <a:r>
-              <a:rPr kumimoji="1" lang="ja-JP" altLang="en-US" smtClean="0"/>
+              <a:rPr kumimoji="1" lang="ja-JP" altLang="en-US"/>
               <a:t>レベル</a:t>
             </a:r>
           </a:p>
           <a:p>
             <a:pPr lvl="2"/>
             <a:r>
-              <a:rPr kumimoji="1" lang="ja-JP" altLang="en-US" smtClean="0"/>
+              <a:rPr kumimoji="1" lang="ja-JP" altLang="en-US"/>
               <a:t>第 </a:t>
             </a:r>
             <a:r>
-              <a:rPr kumimoji="1" lang="en-US" altLang="ja-JP" smtClean="0"/>
+              <a:rPr kumimoji="1" lang="en-US" altLang="ja-JP"/>
               <a:t>3 </a:t>
             </a:r>
             <a:r>
-              <a:rPr kumimoji="1" lang="ja-JP" altLang="en-US" smtClean="0"/>
+              <a:rPr kumimoji="1" lang="ja-JP" altLang="en-US"/>
               <a:t>レベル</a:t>
             </a:r>
           </a:p>
           <a:p>
             <a:pPr lvl="3"/>
             <a:r>
-              <a:rPr kumimoji="1" lang="ja-JP" altLang="en-US" smtClean="0"/>
+              <a:rPr kumimoji="1" lang="ja-JP" altLang="en-US"/>
               <a:t>第 </a:t>
             </a:r>
             <a:r>
-              <a:rPr kumimoji="1" lang="en-US" altLang="ja-JP" smtClean="0"/>
+              <a:rPr kumimoji="1" lang="en-US" altLang="ja-JP"/>
               <a:t>4 </a:t>
             </a:r>
             <a:r>
-              <a:rPr kumimoji="1" lang="ja-JP" altLang="en-US" smtClean="0"/>
+              <a:rPr kumimoji="1" lang="ja-JP" altLang="en-US"/>
               <a:t>レベル</a:t>
             </a:r>
           </a:p>
           <a:p>
             <a:pPr lvl="4"/>
             <a:r>
-              <a:rPr kumimoji="1" lang="ja-JP" altLang="en-US" smtClean="0"/>
+              <a:rPr kumimoji="1" lang="ja-JP" altLang="en-US"/>
               <a:t>第 </a:t>
             </a:r>
             <a:r>
-              <a:rPr kumimoji="1" lang="en-US" altLang="ja-JP" smtClean="0"/>
+              <a:rPr kumimoji="1" lang="en-US" altLang="ja-JP"/>
               <a:t>5 </a:t>
             </a:r>
             <a:r>
-              <a:rPr kumimoji="1" lang="ja-JP" altLang="en-US" smtClean="0"/>
+              <a:rPr kumimoji="1" lang="ja-JP" altLang="en-US"/>
               <a:t>レベル</a:t>
             </a:r>
-            <a:endParaRPr kumimoji="1" lang="ja-JP" altLang="en-US"/>
           </a:p>
         </p:txBody>
       </p:sp>
@@ -3716,7 +3762,7 @@
           <a:p>
             <a:pPr lvl="0"/>
             <a:r>
-              <a:rPr kumimoji="1" lang="ja-JP" altLang="en-US" smtClean="0"/>
+              <a:rPr kumimoji="1" lang="ja-JP" altLang="en-US"/>
               <a:t>マスター テキストの書式設定</a:t>
             </a:r>
           </a:p>
@@ -3739,7 +3785,7 @@
           <a:p>
             <a:fld id="{7D66321E-D6ED-4823-A3C3-7228593623B4}" type="datetimeFigureOut">
               <a:rPr kumimoji="1" lang="ja-JP" altLang="en-US" smtClean="0"/>
-              <a:t>2018/9/3</a:t>
+              <a:t>2018/9/20</a:t>
             </a:fld>
             <a:endParaRPr kumimoji="1" lang="ja-JP" altLang="en-US"/>
           </a:p>
@@ -3848,10 +3894,9 @@
           <a:lstStyle/>
           <a:p>
             <a:r>
-              <a:rPr kumimoji="1" lang="ja-JP" altLang="en-US" smtClean="0"/>
+              <a:rPr kumimoji="1" lang="ja-JP" altLang="en-US"/>
               <a:t>マスター タイトルの書式設定</a:t>
             </a:r>
-            <a:endParaRPr kumimoji="1" lang="ja-JP" altLang="en-US"/>
           </a:p>
         </p:txBody>
       </p:sp>
@@ -3882,70 +3927,69 @@
           <a:p>
             <a:pPr lvl="0"/>
             <a:r>
-              <a:rPr kumimoji="1" lang="ja-JP" altLang="en-US" smtClean="0"/>
+              <a:rPr kumimoji="1" lang="ja-JP" altLang="en-US"/>
               <a:t>マスター テキストの書式設定</a:t>
             </a:r>
           </a:p>
           <a:p>
             <a:pPr lvl="1"/>
             <a:r>
-              <a:rPr kumimoji="1" lang="ja-JP" altLang="en-US" smtClean="0"/>
+              <a:rPr kumimoji="1" lang="ja-JP" altLang="en-US"/>
               <a:t>第 </a:t>
             </a:r>
             <a:r>
-              <a:rPr kumimoji="1" lang="en-US" altLang="ja-JP" smtClean="0"/>
+              <a:rPr kumimoji="1" lang="en-US" altLang="ja-JP"/>
               <a:t>2 </a:t>
             </a:r>
             <a:r>
-              <a:rPr kumimoji="1" lang="ja-JP" altLang="en-US" smtClean="0"/>
+              <a:rPr kumimoji="1" lang="ja-JP" altLang="en-US"/>
               <a:t>レベル</a:t>
             </a:r>
           </a:p>
           <a:p>
             <a:pPr lvl="2"/>
             <a:r>
-              <a:rPr kumimoji="1" lang="ja-JP" altLang="en-US" smtClean="0"/>
+              <a:rPr kumimoji="1" lang="ja-JP" altLang="en-US"/>
               <a:t>第 </a:t>
             </a:r>
             <a:r>
-              <a:rPr kumimoji="1" lang="en-US" altLang="ja-JP" smtClean="0"/>
+              <a:rPr kumimoji="1" lang="en-US" altLang="ja-JP"/>
               <a:t>3 </a:t>
             </a:r>
             <a:r>
-              <a:rPr kumimoji="1" lang="ja-JP" altLang="en-US" smtClean="0"/>
+              <a:rPr kumimoji="1" lang="ja-JP" altLang="en-US"/>
               <a:t>レベル</a:t>
             </a:r>
           </a:p>
           <a:p>
             <a:pPr lvl="3"/>
             <a:r>
-              <a:rPr kumimoji="1" lang="ja-JP" altLang="en-US" smtClean="0"/>
+              <a:rPr kumimoji="1" lang="ja-JP" altLang="en-US"/>
               <a:t>第 </a:t>
             </a:r>
             <a:r>
-              <a:rPr kumimoji="1" lang="en-US" altLang="ja-JP" smtClean="0"/>
+              <a:rPr kumimoji="1" lang="en-US" altLang="ja-JP"/>
               <a:t>4 </a:t>
             </a:r>
             <a:r>
-              <a:rPr kumimoji="1" lang="ja-JP" altLang="en-US" smtClean="0"/>
+              <a:rPr kumimoji="1" lang="ja-JP" altLang="en-US"/>
               <a:t>レベル</a:t>
             </a:r>
           </a:p>
           <a:p>
             <a:pPr lvl="4"/>
             <a:r>
-              <a:rPr kumimoji="1" lang="ja-JP" altLang="en-US" smtClean="0"/>
+              <a:rPr kumimoji="1" lang="ja-JP" altLang="en-US"/>
               <a:t>第 </a:t>
             </a:r>
             <a:r>
-              <a:rPr kumimoji="1" lang="en-US" altLang="ja-JP" smtClean="0"/>
+              <a:rPr kumimoji="1" lang="en-US" altLang="ja-JP"/>
               <a:t>5 </a:t>
             </a:r>
             <a:r>
-              <a:rPr kumimoji="1" lang="ja-JP" altLang="en-US" smtClean="0"/>
+              <a:rPr kumimoji="1" lang="ja-JP" altLang="en-US"/>
               <a:t>レベル</a:t>
             </a:r>
-            <a:endParaRPr kumimoji="1" lang="ja-JP" altLang="en-US"/>
           </a:p>
         </p:txBody>
       </p:sp>
@@ -3984,7 +4028,7 @@
           <a:p>
             <a:fld id="{7D66321E-D6ED-4823-A3C3-7228593623B4}" type="datetimeFigureOut">
               <a:rPr kumimoji="1" lang="ja-JP" altLang="en-US" smtClean="0"/>
-              <a:t>2018/9/3</a:t>
+              <a:t>2018/9/20</a:t>
             </a:fld>
             <a:endParaRPr kumimoji="1" lang="ja-JP" altLang="en-US"/>
           </a:p>
@@ -4090,13 +4134,6 @@
     <p:sldLayoutId id="2147483658" r:id="rId11"/>
     <p:sldLayoutId id="2147483659" r:id="rId12"/>
   </p:sldLayoutIdLst>
-  <p:timing>
-    <p:tnLst>
-      <p:par>
-        <p:cTn id="1" dur="indefinite" restart="never" nodeType="tmRoot"/>
-      </p:par>
-    </p:tnLst>
-  </p:timing>
   <p:txStyles>
     <p:titleStyle>
       <a:lvl1pPr algn="l" defTabSz="914400" rtl="0" eaLnBrk="1" latinLnBrk="0" hangingPunct="1">
@@ -4623,13 +4660,823 @@
   <p:clrMapOvr>
     <a:masterClrMapping/>
   </p:clrMapOvr>
-  <p:timing>
-    <p:tnLst>
-      <p:par>
-        <p:cTn id="1" dur="indefinite" restart="never" nodeType="tmRoot"/>
-      </p:par>
-    </p:tnLst>
-  </p:timing>
+</p:sld>
+</file>
+
+<file path=ppt/slides/slide2.xml><?xml version="1.0" encoding="utf-8"?>
+<p:sld xmlns:a="http://schemas.openxmlformats.org/drawingml/2006/main" xmlns:r="http://schemas.openxmlformats.org/officeDocument/2006/relationships" xmlns:p="http://schemas.openxmlformats.org/presentationml/2006/main">
+  <p:cSld>
+    <p:spTree>
+      <p:nvGrpSpPr>
+        <p:cNvPr id="1" name=""/>
+        <p:cNvGrpSpPr/>
+        <p:nvPr/>
+      </p:nvGrpSpPr>
+      <p:grpSpPr>
+        <a:xfrm>
+          <a:off x="0" y="0"/>
+          <a:ext cx="0" cy="0"/>
+          <a:chOff x="0" y="0"/>
+          <a:chExt cx="0" cy="0"/>
+        </a:xfrm>
+      </p:grpSpPr>
+      <p:sp>
+        <p:nvSpPr>
+          <p:cNvPr id="4" name="TextBox 3">
+            <a:extLst>
+              <a:ext uri="{FF2B5EF4-FFF2-40B4-BE49-F238E27FC236}">
+                <a16:creationId xmlns:a16="http://schemas.microsoft.com/office/drawing/2014/main" id="{BD9F4089-A6E5-7A40-9065-382C453CB73A}"/>
+              </a:ext>
+            </a:extLst>
+          </p:cNvPr>
+          <p:cNvSpPr txBox="1"/>
+          <p:nvPr/>
+        </p:nvSpPr>
+        <p:spPr>
+          <a:xfrm>
+            <a:off x="484094" y="322729"/>
+            <a:ext cx="595035" cy="369332"/>
+          </a:xfrm>
+          <a:prstGeom prst="rect">
+            <a:avLst/>
+          </a:prstGeom>
+          <a:noFill/>
+        </p:spPr>
+        <p:txBody>
+          <a:bodyPr wrap="none" rtlCol="0">
+            <a:spAutoFit/>
+          </a:bodyPr>
+          <a:lstStyle/>
+          <a:p>
+            <a:r>
+              <a:rPr lang="en-US" dirty="0"/>
+              <a:t>Title</a:t>
+            </a:r>
+          </a:p>
+        </p:txBody>
+      </p:sp>
+      <p:sp>
+        <p:nvSpPr>
+          <p:cNvPr id="5" name="Rectangle 4">
+            <a:extLst>
+              <a:ext uri="{FF2B5EF4-FFF2-40B4-BE49-F238E27FC236}">
+                <a16:creationId xmlns:a16="http://schemas.microsoft.com/office/drawing/2014/main" id="{5DE8CFE5-83E8-194C-8FEA-C87C15C21C64}"/>
+              </a:ext>
+            </a:extLst>
+          </p:cNvPr>
+          <p:cNvSpPr/>
+          <p:nvPr/>
+        </p:nvSpPr>
+        <p:spPr>
+          <a:xfrm>
+            <a:off x="484094" y="661283"/>
+            <a:ext cx="10434918" cy="261610"/>
+          </a:xfrm>
+          <a:prstGeom prst="rect">
+            <a:avLst/>
+          </a:prstGeom>
+        </p:spPr>
+        <p:txBody>
+          <a:bodyPr wrap="square">
+            <a:spAutoFit/>
+          </a:bodyPr>
+          <a:lstStyle/>
+          <a:p>
+            <a:r>
+              <a:rPr lang="en-US" altLang="ja-JP" sz="1100" dirty="0">
+                <a:latin typeface="Meiryo" panose="020B0604030504040204" pitchFamily="34" charset="-128"/>
+                <a:ea typeface="Meiryo" panose="020B0604030504040204" pitchFamily="34" charset="-128"/>
+              </a:rPr>
+              <a:t>Author</a:t>
+            </a:r>
+            <a:endParaRPr lang="en-US" sz="1100" dirty="0">
+              <a:latin typeface="Meiryo" panose="020B0604030504040204" pitchFamily="34" charset="-128"/>
+              <a:ea typeface="Meiryo" panose="020B0604030504040204" pitchFamily="34" charset="-128"/>
+            </a:endParaRPr>
+          </a:p>
+        </p:txBody>
+      </p:sp>
+      <p:sp>
+        <p:nvSpPr>
+          <p:cNvPr id="6" name="Rectangle 5">
+            <a:extLst>
+              <a:ext uri="{FF2B5EF4-FFF2-40B4-BE49-F238E27FC236}">
+                <a16:creationId xmlns:a16="http://schemas.microsoft.com/office/drawing/2014/main" id="{600BBD61-5CB9-F441-9B6E-CC6DB4526062}"/>
+              </a:ext>
+            </a:extLst>
+          </p:cNvPr>
+          <p:cNvSpPr/>
+          <p:nvPr/>
+        </p:nvSpPr>
+        <p:spPr>
+          <a:xfrm>
+            <a:off x="0" y="45730"/>
+            <a:ext cx="10434918" cy="276999"/>
+          </a:xfrm>
+          <a:prstGeom prst="rect">
+            <a:avLst/>
+          </a:prstGeom>
+        </p:spPr>
+        <p:txBody>
+          <a:bodyPr wrap="square">
+            <a:spAutoFit/>
+          </a:bodyPr>
+          <a:lstStyle/>
+          <a:p>
+            <a:r>
+              <a:rPr lang="en-US" sz="1200" dirty="0">
+                <a:latin typeface="Meiryo" panose="020B0604030504040204" pitchFamily="34" charset="-128"/>
+                <a:ea typeface="Meiryo" panose="020B0604030504040204" pitchFamily="34" charset="-128"/>
+              </a:rPr>
+              <a:t>Article, year</a:t>
+            </a:r>
+          </a:p>
+        </p:txBody>
+      </p:sp>
+      <p:sp>
+        <p:nvSpPr>
+          <p:cNvPr id="7" name="TextBox 6">
+            <a:extLst>
+              <a:ext uri="{FF2B5EF4-FFF2-40B4-BE49-F238E27FC236}">
+                <a16:creationId xmlns:a16="http://schemas.microsoft.com/office/drawing/2014/main" id="{9FB21E75-4109-3946-A88C-D7364EF5EBA1}"/>
+              </a:ext>
+            </a:extLst>
+          </p:cNvPr>
+          <p:cNvSpPr txBox="1"/>
+          <p:nvPr/>
+        </p:nvSpPr>
+        <p:spPr>
+          <a:xfrm>
+            <a:off x="365617" y="1100995"/>
+            <a:ext cx="5568364" cy="276999"/>
+          </a:xfrm>
+          <a:prstGeom prst="rect">
+            <a:avLst/>
+          </a:prstGeom>
+          <a:noFill/>
+          <a:ln>
+            <a:solidFill>
+              <a:schemeClr val="bg1">
+                <a:lumMod val="50000"/>
+              </a:schemeClr>
+            </a:solidFill>
+          </a:ln>
+        </p:spPr>
+        <p:txBody>
+          <a:bodyPr wrap="square" rtlCol="0">
+            <a:spAutoFit/>
+          </a:bodyPr>
+          <a:lstStyle/>
+          <a:p>
+            <a:pPr algn="ctr"/>
+            <a:r>
+              <a:rPr lang="en-US" altLang="ja-JP" sz="1200" dirty="0">
+                <a:latin typeface="Meiryo" panose="020B0604030504040204" pitchFamily="34" charset="-128"/>
+                <a:ea typeface="Meiryo" panose="020B0604030504040204" pitchFamily="34" charset="-128"/>
+              </a:rPr>
+              <a:t>1.</a:t>
+            </a:r>
+            <a:r>
+              <a:rPr lang="ja-JP" altLang="en-US" sz="1200" dirty="0">
+                <a:latin typeface="Meiryo" panose="020B0604030504040204" pitchFamily="34" charset="-128"/>
+                <a:ea typeface="Meiryo" panose="020B0604030504040204" pitchFamily="34" charset="-128"/>
+              </a:rPr>
+              <a:t>論文の概要．どんな内容？</a:t>
+            </a:r>
+            <a:endParaRPr lang="en-US" sz="1200" dirty="0">
+              <a:latin typeface="Meiryo" panose="020B0604030504040204" pitchFamily="34" charset="-128"/>
+              <a:ea typeface="Meiryo" panose="020B0604030504040204" pitchFamily="34" charset="-128"/>
+            </a:endParaRPr>
+          </a:p>
+        </p:txBody>
+      </p:sp>
+      <p:sp>
+        <p:nvSpPr>
+          <p:cNvPr id="8" name="TextBox 7">
+            <a:extLst>
+              <a:ext uri="{FF2B5EF4-FFF2-40B4-BE49-F238E27FC236}">
+                <a16:creationId xmlns:a16="http://schemas.microsoft.com/office/drawing/2014/main" id="{F4798030-FA8C-C94C-928B-81B9741BA57C}"/>
+              </a:ext>
+            </a:extLst>
+          </p:cNvPr>
+          <p:cNvSpPr txBox="1"/>
+          <p:nvPr/>
+        </p:nvSpPr>
+        <p:spPr>
+          <a:xfrm>
+            <a:off x="387500" y="2473334"/>
+            <a:ext cx="5568364" cy="276999"/>
+          </a:xfrm>
+          <a:prstGeom prst="rect">
+            <a:avLst/>
+          </a:prstGeom>
+          <a:noFill/>
+          <a:ln>
+            <a:solidFill>
+              <a:schemeClr val="bg1">
+                <a:lumMod val="50000"/>
+              </a:schemeClr>
+            </a:solidFill>
+          </a:ln>
+        </p:spPr>
+        <p:txBody>
+          <a:bodyPr wrap="square" rtlCol="0">
+            <a:spAutoFit/>
+          </a:bodyPr>
+          <a:lstStyle/>
+          <a:p>
+            <a:pPr algn="ctr"/>
+            <a:r>
+              <a:rPr lang="ja-JP" altLang="en-US" sz="1200" dirty="0">
+                <a:latin typeface="Meiryo" panose="020B0604030504040204" pitchFamily="34" charset="-128"/>
+                <a:ea typeface="Meiryo" panose="020B0604030504040204" pitchFamily="34" charset="-128"/>
+              </a:rPr>
+              <a:t>問題設定と解決した点．先行研究と比べてどこがすごい？</a:t>
+            </a:r>
+            <a:endParaRPr lang="en-US" sz="1200" dirty="0">
+              <a:latin typeface="Meiryo" panose="020B0604030504040204" pitchFamily="34" charset="-128"/>
+              <a:ea typeface="Meiryo" panose="020B0604030504040204" pitchFamily="34" charset="-128"/>
+            </a:endParaRPr>
+          </a:p>
+        </p:txBody>
+      </p:sp>
+      <p:sp>
+        <p:nvSpPr>
+          <p:cNvPr id="9" name="TextBox 8">
+            <a:extLst>
+              <a:ext uri="{FF2B5EF4-FFF2-40B4-BE49-F238E27FC236}">
+                <a16:creationId xmlns:a16="http://schemas.microsoft.com/office/drawing/2014/main" id="{81058155-B8D5-D84D-AD0E-5C3F15763290}"/>
+              </a:ext>
+            </a:extLst>
+          </p:cNvPr>
+          <p:cNvSpPr txBox="1"/>
+          <p:nvPr/>
+        </p:nvSpPr>
+        <p:spPr>
+          <a:xfrm>
+            <a:off x="387500" y="3829366"/>
+            <a:ext cx="5568364" cy="276999"/>
+          </a:xfrm>
+          <a:prstGeom prst="rect">
+            <a:avLst/>
+          </a:prstGeom>
+          <a:noFill/>
+          <a:ln>
+            <a:solidFill>
+              <a:schemeClr val="bg1">
+                <a:lumMod val="50000"/>
+              </a:schemeClr>
+            </a:solidFill>
+          </a:ln>
+        </p:spPr>
+        <p:txBody>
+          <a:bodyPr wrap="square" rtlCol="0">
+            <a:spAutoFit/>
+          </a:bodyPr>
+          <a:lstStyle/>
+          <a:p>
+            <a:pPr algn="ctr"/>
+            <a:r>
+              <a:rPr lang="ja-JP" altLang="en-US" sz="1200" dirty="0">
+                <a:latin typeface="Meiryo" panose="020B0604030504040204" pitchFamily="34" charset="-128"/>
+                <a:ea typeface="Meiryo" panose="020B0604030504040204" pitchFamily="34" charset="-128"/>
+              </a:rPr>
+              <a:t>技術や手法のキモはどこ？</a:t>
+            </a:r>
+            <a:endParaRPr lang="en-US" sz="1200" dirty="0">
+              <a:latin typeface="Meiryo" panose="020B0604030504040204" pitchFamily="34" charset="-128"/>
+              <a:ea typeface="Meiryo" panose="020B0604030504040204" pitchFamily="34" charset="-128"/>
+            </a:endParaRPr>
+          </a:p>
+        </p:txBody>
+      </p:sp>
+      <p:sp>
+        <p:nvSpPr>
+          <p:cNvPr id="10" name="TextBox 9">
+            <a:extLst>
+              <a:ext uri="{FF2B5EF4-FFF2-40B4-BE49-F238E27FC236}">
+                <a16:creationId xmlns:a16="http://schemas.microsoft.com/office/drawing/2014/main" id="{90E550D4-214B-7448-8913-9238832A2E52}"/>
+              </a:ext>
+            </a:extLst>
+          </p:cNvPr>
+          <p:cNvSpPr txBox="1"/>
+          <p:nvPr/>
+        </p:nvSpPr>
+        <p:spPr>
+          <a:xfrm>
+            <a:off x="387500" y="5155298"/>
+            <a:ext cx="5568364" cy="276999"/>
+          </a:xfrm>
+          <a:prstGeom prst="rect">
+            <a:avLst/>
+          </a:prstGeom>
+          <a:noFill/>
+          <a:ln>
+            <a:solidFill>
+              <a:schemeClr val="bg1">
+                <a:lumMod val="50000"/>
+              </a:schemeClr>
+            </a:solidFill>
+          </a:ln>
+        </p:spPr>
+        <p:txBody>
+          <a:bodyPr wrap="square" rtlCol="0">
+            <a:spAutoFit/>
+          </a:bodyPr>
+          <a:lstStyle/>
+          <a:p>
+            <a:pPr algn="ctr"/>
+            <a:r>
+              <a:rPr lang="ja-JP" altLang="en-US" sz="1200" dirty="0">
+                <a:latin typeface="Meiryo" panose="020B0604030504040204" pitchFamily="34" charset="-128"/>
+                <a:ea typeface="Meiryo" panose="020B0604030504040204" pitchFamily="34" charset="-128"/>
+              </a:rPr>
+              <a:t>どうやって有効だと検証した？</a:t>
+            </a:r>
+            <a:endParaRPr lang="en-US" sz="1200" dirty="0">
+              <a:latin typeface="Meiryo" panose="020B0604030504040204" pitchFamily="34" charset="-128"/>
+              <a:ea typeface="Meiryo" panose="020B0604030504040204" pitchFamily="34" charset="-128"/>
+            </a:endParaRPr>
+          </a:p>
+        </p:txBody>
+      </p:sp>
+      <p:sp>
+        <p:nvSpPr>
+          <p:cNvPr id="11" name="TextBox 10">
+            <a:extLst>
+              <a:ext uri="{FF2B5EF4-FFF2-40B4-BE49-F238E27FC236}">
+                <a16:creationId xmlns:a16="http://schemas.microsoft.com/office/drawing/2014/main" id="{0C8386A1-639A-3544-B843-683D10F7E8B3}"/>
+              </a:ext>
+            </a:extLst>
+          </p:cNvPr>
+          <p:cNvSpPr txBox="1"/>
+          <p:nvPr/>
+        </p:nvSpPr>
+        <p:spPr>
+          <a:xfrm>
+            <a:off x="6427118" y="1100995"/>
+            <a:ext cx="5568364" cy="276999"/>
+          </a:xfrm>
+          <a:prstGeom prst="rect">
+            <a:avLst/>
+          </a:prstGeom>
+          <a:noFill/>
+          <a:ln>
+            <a:solidFill>
+              <a:schemeClr val="bg1">
+                <a:lumMod val="50000"/>
+              </a:schemeClr>
+            </a:solidFill>
+          </a:ln>
+        </p:spPr>
+        <p:txBody>
+          <a:bodyPr wrap="square" rtlCol="0">
+            <a:spAutoFit/>
+          </a:bodyPr>
+          <a:lstStyle/>
+          <a:p>
+            <a:pPr algn="ctr"/>
+            <a:r>
+              <a:rPr lang="ja-JP" altLang="en-US" sz="1200">
+                <a:latin typeface="Meiryo" panose="020B0604030504040204" pitchFamily="34" charset="-128"/>
+                <a:ea typeface="Meiryo" panose="020B0604030504040204" pitchFamily="34" charset="-128"/>
+              </a:rPr>
+              <a:t>議論すべき点</a:t>
+            </a:r>
+            <a:endParaRPr lang="en-US" sz="1200" dirty="0">
+              <a:latin typeface="Meiryo" panose="020B0604030504040204" pitchFamily="34" charset="-128"/>
+              <a:ea typeface="Meiryo" panose="020B0604030504040204" pitchFamily="34" charset="-128"/>
+            </a:endParaRPr>
+          </a:p>
+        </p:txBody>
+      </p:sp>
+      <p:sp>
+        <p:nvSpPr>
+          <p:cNvPr id="12" name="TextBox 11">
+            <a:extLst>
+              <a:ext uri="{FF2B5EF4-FFF2-40B4-BE49-F238E27FC236}">
+                <a16:creationId xmlns:a16="http://schemas.microsoft.com/office/drawing/2014/main" id="{0C4FC315-60E4-934C-B80B-C014BCED0ADD}"/>
+              </a:ext>
+            </a:extLst>
+          </p:cNvPr>
+          <p:cNvSpPr txBox="1"/>
+          <p:nvPr/>
+        </p:nvSpPr>
+        <p:spPr>
+          <a:xfrm>
+            <a:off x="6427118" y="3226498"/>
+            <a:ext cx="5568364" cy="276999"/>
+          </a:xfrm>
+          <a:prstGeom prst="rect">
+            <a:avLst/>
+          </a:prstGeom>
+          <a:noFill/>
+          <a:ln>
+            <a:solidFill>
+              <a:schemeClr val="bg1">
+                <a:lumMod val="50000"/>
+              </a:schemeClr>
+            </a:solidFill>
+          </a:ln>
+        </p:spPr>
+        <p:txBody>
+          <a:bodyPr wrap="square" rtlCol="0">
+            <a:spAutoFit/>
+          </a:bodyPr>
+          <a:lstStyle/>
+          <a:p>
+            <a:pPr algn="ctr"/>
+            <a:r>
+              <a:rPr lang="ja-JP" altLang="en-US" sz="1200" dirty="0">
+                <a:latin typeface="Meiryo" panose="020B0604030504040204" pitchFamily="34" charset="-128"/>
+                <a:ea typeface="Meiryo" panose="020B0604030504040204" pitchFamily="34" charset="-128"/>
+              </a:rPr>
+              <a:t>次に読むべき論文は？</a:t>
+            </a:r>
+            <a:endParaRPr lang="en-US" sz="1200" dirty="0">
+              <a:latin typeface="Meiryo" panose="020B0604030504040204" pitchFamily="34" charset="-128"/>
+              <a:ea typeface="Meiryo" panose="020B0604030504040204" pitchFamily="34" charset="-128"/>
+            </a:endParaRPr>
+          </a:p>
+        </p:txBody>
+      </p:sp>
+      <p:sp>
+        <p:nvSpPr>
+          <p:cNvPr id="26" name="Rectangle 25">
+            <a:extLst>
+              <a:ext uri="{FF2B5EF4-FFF2-40B4-BE49-F238E27FC236}">
+                <a16:creationId xmlns:a16="http://schemas.microsoft.com/office/drawing/2014/main" id="{38083B6D-60FF-1A45-9BC1-772B1D3EDF30}"/>
+              </a:ext>
+            </a:extLst>
+          </p:cNvPr>
+          <p:cNvSpPr/>
+          <p:nvPr/>
+        </p:nvSpPr>
+        <p:spPr>
+          <a:xfrm>
+            <a:off x="11128471" y="54889"/>
+            <a:ext cx="1040905" cy="276999"/>
+          </a:xfrm>
+          <a:prstGeom prst="rect">
+            <a:avLst/>
+          </a:prstGeom>
+        </p:spPr>
+        <p:txBody>
+          <a:bodyPr wrap="square">
+            <a:spAutoFit/>
+          </a:bodyPr>
+          <a:lstStyle/>
+          <a:p>
+            <a:r>
+              <a:rPr lang="en-US" altLang="ja-JP" sz="1200" dirty="0">
+                <a:latin typeface="Meiryo" panose="020B0604030504040204" pitchFamily="34" charset="-128"/>
+                <a:ea typeface="Meiryo" panose="020B0604030504040204" pitchFamily="34" charset="-128"/>
+              </a:rPr>
+              <a:t>Date read</a:t>
+            </a:r>
+          </a:p>
+        </p:txBody>
+      </p:sp>
+      <p:sp>
+        <p:nvSpPr>
+          <p:cNvPr id="20" name="TextBox 19">
+            <a:extLst>
+              <a:ext uri="{FF2B5EF4-FFF2-40B4-BE49-F238E27FC236}">
+                <a16:creationId xmlns:a16="http://schemas.microsoft.com/office/drawing/2014/main" id="{0A58D9E0-C847-C14E-B103-7900C9570292}"/>
+              </a:ext>
+            </a:extLst>
+          </p:cNvPr>
+          <p:cNvSpPr txBox="1"/>
+          <p:nvPr/>
+        </p:nvSpPr>
+        <p:spPr>
+          <a:xfrm>
+            <a:off x="6427119" y="4687417"/>
+            <a:ext cx="5568364" cy="276999"/>
+          </a:xfrm>
+          <a:prstGeom prst="rect">
+            <a:avLst/>
+          </a:prstGeom>
+          <a:noFill/>
+          <a:ln>
+            <a:solidFill>
+              <a:schemeClr val="bg1">
+                <a:lumMod val="50000"/>
+              </a:schemeClr>
+            </a:solidFill>
+          </a:ln>
+        </p:spPr>
+        <p:txBody>
+          <a:bodyPr wrap="square" rtlCol="0">
+            <a:spAutoFit/>
+          </a:bodyPr>
+          <a:lstStyle/>
+          <a:p>
+            <a:pPr algn="ctr"/>
+            <a:r>
+              <a:rPr lang="en-US" sz="1200" dirty="0">
+                <a:latin typeface="Meiryo" panose="020B0604030504040204" pitchFamily="34" charset="-128"/>
+                <a:ea typeface="Meiryo" panose="020B0604030504040204" pitchFamily="34" charset="-128"/>
+              </a:rPr>
+              <a:t>Appendix</a:t>
+            </a:r>
+          </a:p>
+        </p:txBody>
+      </p:sp>
+      <p:sp>
+        <p:nvSpPr>
+          <p:cNvPr id="2" name="TextBox 1">
+            <a:extLst>
+              <a:ext uri="{FF2B5EF4-FFF2-40B4-BE49-F238E27FC236}">
+                <a16:creationId xmlns:a16="http://schemas.microsoft.com/office/drawing/2014/main" id="{C7FE85FC-95FB-9242-8DD6-24A8F11F2A99}"/>
+              </a:ext>
+            </a:extLst>
+          </p:cNvPr>
+          <p:cNvSpPr txBox="1"/>
+          <p:nvPr/>
+        </p:nvSpPr>
+        <p:spPr>
+          <a:xfrm>
+            <a:off x="7592992" y="-1435261"/>
+            <a:ext cx="184731" cy="369332"/>
+          </a:xfrm>
+          <a:prstGeom prst="rect">
+            <a:avLst/>
+          </a:prstGeom>
+          <a:noFill/>
+        </p:spPr>
+        <p:txBody>
+          <a:bodyPr wrap="none" rtlCol="0">
+            <a:spAutoFit/>
+          </a:bodyPr>
+          <a:lstStyle/>
+          <a:p>
+            <a:endParaRPr lang="en-US" dirty="0"/>
+          </a:p>
+        </p:txBody>
+      </p:sp>
+      <p:sp>
+        <p:nvSpPr>
+          <p:cNvPr id="24" name="テキスト ボックス 23">
+            <a:extLst>
+              <a:ext uri="{FF2B5EF4-FFF2-40B4-BE49-F238E27FC236}">
+                <a16:creationId xmlns:a16="http://schemas.microsoft.com/office/drawing/2014/main" id="{0CF52BEB-E3E8-4E64-8722-42A3E056D0C5}"/>
+              </a:ext>
+            </a:extLst>
+          </p:cNvPr>
+          <p:cNvSpPr txBox="1"/>
+          <p:nvPr/>
+        </p:nvSpPr>
+        <p:spPr>
+          <a:xfrm>
+            <a:off x="387500" y="1406109"/>
+            <a:ext cx="5644184" cy="261610"/>
+          </a:xfrm>
+          <a:prstGeom prst="rect">
+            <a:avLst/>
+          </a:prstGeom>
+          <a:noFill/>
+        </p:spPr>
+        <p:txBody>
+          <a:bodyPr wrap="square" rtlCol="0">
+            <a:spAutoFit/>
+          </a:bodyPr>
+          <a:lstStyle/>
+          <a:p>
+            <a:r>
+              <a:rPr lang="en-US" altLang="ja-JP" sz="1100" dirty="0" err="1"/>
+              <a:t>aaa</a:t>
+            </a:r>
+            <a:endParaRPr lang="en-US" altLang="ja-JP" sz="1100" dirty="0"/>
+          </a:p>
+        </p:txBody>
+      </p:sp>
+      <p:sp>
+        <p:nvSpPr>
+          <p:cNvPr id="30" name="テキスト ボックス 29">
+            <a:extLst>
+              <a:ext uri="{FF2B5EF4-FFF2-40B4-BE49-F238E27FC236}">
+                <a16:creationId xmlns:a16="http://schemas.microsoft.com/office/drawing/2014/main" id="{0CF52BEB-E3E8-4E64-8722-42A3E056D0C5}"/>
+              </a:ext>
+            </a:extLst>
+          </p:cNvPr>
+          <p:cNvSpPr txBox="1"/>
+          <p:nvPr/>
+        </p:nvSpPr>
+        <p:spPr>
+          <a:xfrm>
+            <a:off x="387500" y="2758233"/>
+            <a:ext cx="5644184" cy="261610"/>
+          </a:xfrm>
+          <a:prstGeom prst="rect">
+            <a:avLst/>
+          </a:prstGeom>
+          <a:noFill/>
+        </p:spPr>
+        <p:txBody>
+          <a:bodyPr wrap="square" rtlCol="0">
+            <a:spAutoFit/>
+          </a:bodyPr>
+          <a:lstStyle/>
+          <a:p>
+            <a:r>
+              <a:rPr lang="en-US" altLang="ja-JP" sz="1100" dirty="0" err="1"/>
+              <a:t>aaa</a:t>
+            </a:r>
+            <a:endParaRPr lang="en-US" altLang="ja-JP" sz="1100" dirty="0"/>
+          </a:p>
+        </p:txBody>
+      </p:sp>
+      <p:sp>
+        <p:nvSpPr>
+          <p:cNvPr id="33" name="テキスト ボックス 32">
+            <a:extLst>
+              <a:ext uri="{FF2B5EF4-FFF2-40B4-BE49-F238E27FC236}">
+                <a16:creationId xmlns:a16="http://schemas.microsoft.com/office/drawing/2014/main" id="{0CF52BEB-E3E8-4E64-8722-42A3E056D0C5}"/>
+              </a:ext>
+            </a:extLst>
+          </p:cNvPr>
+          <p:cNvSpPr txBox="1"/>
+          <p:nvPr/>
+        </p:nvSpPr>
+        <p:spPr>
+          <a:xfrm>
+            <a:off x="387500" y="4126679"/>
+            <a:ext cx="5644184" cy="261610"/>
+          </a:xfrm>
+          <a:prstGeom prst="rect">
+            <a:avLst/>
+          </a:prstGeom>
+          <a:noFill/>
+        </p:spPr>
+        <p:txBody>
+          <a:bodyPr wrap="square" rtlCol="0">
+            <a:spAutoFit/>
+          </a:bodyPr>
+          <a:lstStyle/>
+          <a:p>
+            <a:r>
+              <a:rPr lang="en-US" altLang="ja-JP" sz="1100" dirty="0" err="1"/>
+              <a:t>aaa</a:t>
+            </a:r>
+            <a:endParaRPr lang="en-US" altLang="ja-JP" sz="1100" dirty="0"/>
+          </a:p>
+        </p:txBody>
+      </p:sp>
+      <p:sp>
+        <p:nvSpPr>
+          <p:cNvPr id="37" name="テキスト ボックス 36">
+            <a:extLst>
+              <a:ext uri="{FF2B5EF4-FFF2-40B4-BE49-F238E27FC236}">
+                <a16:creationId xmlns:a16="http://schemas.microsoft.com/office/drawing/2014/main" id="{0CF52BEB-E3E8-4E64-8722-42A3E056D0C5}"/>
+              </a:ext>
+            </a:extLst>
+          </p:cNvPr>
+          <p:cNvSpPr txBox="1"/>
+          <p:nvPr/>
+        </p:nvSpPr>
+        <p:spPr>
+          <a:xfrm>
+            <a:off x="387500" y="5432297"/>
+            <a:ext cx="5644184" cy="261610"/>
+          </a:xfrm>
+          <a:prstGeom prst="rect">
+            <a:avLst/>
+          </a:prstGeom>
+          <a:noFill/>
+        </p:spPr>
+        <p:txBody>
+          <a:bodyPr wrap="square" rtlCol="0">
+            <a:spAutoFit/>
+          </a:bodyPr>
+          <a:lstStyle/>
+          <a:p>
+            <a:r>
+              <a:rPr lang="en-US" altLang="ja-JP" sz="1100" dirty="0" err="1"/>
+              <a:t>aaa</a:t>
+            </a:r>
+            <a:endParaRPr lang="en-US" altLang="ja-JP" sz="1100" dirty="0"/>
+          </a:p>
+        </p:txBody>
+      </p:sp>
+      <p:sp>
+        <p:nvSpPr>
+          <p:cNvPr id="39" name="テキスト ボックス 38">
+            <a:extLst>
+              <a:ext uri="{FF2B5EF4-FFF2-40B4-BE49-F238E27FC236}">
+                <a16:creationId xmlns:a16="http://schemas.microsoft.com/office/drawing/2014/main" id="{0CF52BEB-E3E8-4E64-8722-42A3E056D0C5}"/>
+              </a:ext>
+            </a:extLst>
+          </p:cNvPr>
+          <p:cNvSpPr txBox="1"/>
+          <p:nvPr/>
+        </p:nvSpPr>
+        <p:spPr>
+          <a:xfrm>
+            <a:off x="6427118" y="1366766"/>
+            <a:ext cx="5644184" cy="261610"/>
+          </a:xfrm>
+          <a:prstGeom prst="rect">
+            <a:avLst/>
+          </a:prstGeom>
+          <a:noFill/>
+        </p:spPr>
+        <p:txBody>
+          <a:bodyPr wrap="square" rtlCol="0">
+            <a:spAutoFit/>
+          </a:bodyPr>
+          <a:lstStyle/>
+          <a:p>
+            <a:r>
+              <a:rPr lang="en-US" altLang="ja-JP" sz="1100" dirty="0" err="1"/>
+              <a:t>aaa</a:t>
+            </a:r>
+            <a:endParaRPr lang="en-US" altLang="ja-JP" sz="1100" dirty="0"/>
+          </a:p>
+        </p:txBody>
+      </p:sp>
+      <p:sp>
+        <p:nvSpPr>
+          <p:cNvPr id="40" name="テキスト ボックス 39">
+            <a:extLst>
+              <a:ext uri="{FF2B5EF4-FFF2-40B4-BE49-F238E27FC236}">
+                <a16:creationId xmlns:a16="http://schemas.microsoft.com/office/drawing/2014/main" id="{0CF52BEB-E3E8-4E64-8722-42A3E056D0C5}"/>
+              </a:ext>
+            </a:extLst>
+          </p:cNvPr>
+          <p:cNvSpPr txBox="1"/>
+          <p:nvPr/>
+        </p:nvSpPr>
+        <p:spPr>
+          <a:xfrm>
+            <a:off x="6427118" y="3515138"/>
+            <a:ext cx="5644184" cy="261610"/>
+          </a:xfrm>
+          <a:prstGeom prst="rect">
+            <a:avLst/>
+          </a:prstGeom>
+          <a:noFill/>
+        </p:spPr>
+        <p:txBody>
+          <a:bodyPr wrap="square" rtlCol="0">
+            <a:spAutoFit/>
+          </a:bodyPr>
+          <a:lstStyle/>
+          <a:p>
+            <a:r>
+              <a:rPr lang="en-US" altLang="ja-JP" sz="1100" dirty="0" err="1"/>
+              <a:t>aaa</a:t>
+            </a:r>
+            <a:endParaRPr lang="en-US" altLang="ja-JP" sz="1100" dirty="0"/>
+          </a:p>
+        </p:txBody>
+      </p:sp>
+      <p:sp>
+        <p:nvSpPr>
+          <p:cNvPr id="41" name="テキスト ボックス 40">
+            <a:extLst>
+              <a:ext uri="{FF2B5EF4-FFF2-40B4-BE49-F238E27FC236}">
+                <a16:creationId xmlns:a16="http://schemas.microsoft.com/office/drawing/2014/main" id="{0CF52BEB-E3E8-4E64-8722-42A3E056D0C5}"/>
+              </a:ext>
+            </a:extLst>
+          </p:cNvPr>
+          <p:cNvSpPr txBox="1"/>
+          <p:nvPr/>
+        </p:nvSpPr>
+        <p:spPr>
+          <a:xfrm>
+            <a:off x="6427118" y="4964416"/>
+            <a:ext cx="5644184" cy="261610"/>
+          </a:xfrm>
+          <a:prstGeom prst="rect">
+            <a:avLst/>
+          </a:prstGeom>
+          <a:noFill/>
+        </p:spPr>
+        <p:txBody>
+          <a:bodyPr wrap="square" rtlCol="0">
+            <a:spAutoFit/>
+          </a:bodyPr>
+          <a:lstStyle/>
+          <a:p>
+            <a:r>
+              <a:rPr lang="en-US" altLang="ja-JP" sz="1100" dirty="0" err="1"/>
+              <a:t>aaa</a:t>
+            </a:r>
+            <a:endParaRPr lang="en-US" altLang="ja-JP" sz="1100" dirty="0"/>
+          </a:p>
+        </p:txBody>
+      </p:sp>
+    </p:spTree>
+    <p:extLst>
+      <p:ext uri="{BB962C8B-B14F-4D97-AF65-F5344CB8AC3E}">
+        <p14:creationId xmlns:p14="http://schemas.microsoft.com/office/powerpoint/2010/main" val="630725990"/>
+      </p:ext>
+    </p:extLst>
+  </p:cSld>
+  <p:clrMapOvr>
+    <a:masterClrMapping/>
+  </p:clrMapOvr>
 </p:sld>
 </file>
 
